--- a/优化.pptx
+++ b/优化.pptx
@@ -7,8 +7,17 @@
   <p:sldIdLst>
     <p:sldId id="256" r:id="rId2"/>
     <p:sldId id="257" r:id="rId3"/>
-    <p:sldId id="258" r:id="rId4"/>
+    <p:sldId id="261" r:id="rId4"/>
     <p:sldId id="259" r:id="rId5"/>
+    <p:sldId id="260" r:id="rId6"/>
+    <p:sldId id="258" r:id="rId7"/>
+    <p:sldId id="266" r:id="rId8"/>
+    <p:sldId id="262" r:id="rId9"/>
+    <p:sldId id="263" r:id="rId10"/>
+    <p:sldId id="264" r:id="rId11"/>
+    <p:sldId id="265" r:id="rId12"/>
+    <p:sldId id="267" r:id="rId13"/>
+    <p:sldId id="268" r:id="rId14"/>
   </p:sldIdLst>
   <p:sldSz cx="12192000" cy="6858000"/>
   <p:notesSz cx="6858000" cy="9144000"/>
@@ -2953,6 +2962,21 @@
 <file path=ppt/slides/slide1.xml><?xml version="1.0" encoding="utf-8"?>
 <p:sld xmlns:a="http://schemas.openxmlformats.org/drawingml/2006/main" xmlns:r="http://schemas.openxmlformats.org/officeDocument/2006/relationships" xmlns:p="http://schemas.openxmlformats.org/presentationml/2006/main">
   <p:cSld>
+    <p:bg>
+      <p:bgPr>
+        <a:blipFill dpi="0" rotWithShape="1">
+          <a:blip r:embed="rId2">
+            <a:alphaModFix amt="85000"/>
+            <a:lum/>
+          </a:blip>
+          <a:srcRect/>
+          <a:stretch>
+            <a:fillRect t="-10000" b="-110000"/>
+          </a:stretch>
+        </a:blipFill>
+        <a:effectLst/>
+      </p:bgPr>
+    </p:bg>
     <p:spTree>
       <p:nvGrpSpPr>
         <p:cNvPr id="1" name=""/>
@@ -2977,16 +3001,26 @@
             <p:ph type="ctrTitle"/>
           </p:nvPr>
         </p:nvSpPr>
-        <p:spPr/>
-        <p:txBody>
-          <a:bodyPr/>
-          <a:lstStyle/>
-          <a:p>
-            <a:r>
-              <a:rPr lang="zh-CN" altLang="en-US" dirty="0" smtClean="0"/>
+        <p:spPr>
+          <a:noFill/>
+        </p:spPr>
+        <p:txBody>
+          <a:bodyPr/>
+          <a:lstStyle/>
+          <a:p>
+            <a:r>
+              <a:rPr lang="zh-CN" altLang="en-US" dirty="0" smtClean="0">
+                <a:solidFill>
+                  <a:srgbClr val="00B050"/>
+                </a:solidFill>
+              </a:rPr>
               <a:t>优化</a:t>
             </a:r>
-            <a:endParaRPr lang="zh-CN" altLang="en-US" dirty="0"/>
+            <a:endParaRPr lang="zh-CN" altLang="en-US" dirty="0">
+              <a:solidFill>
+                <a:srgbClr val="00B050"/>
+              </a:solidFill>
+            </a:endParaRPr>
           </a:p>
         </p:txBody>
       </p:sp>
@@ -3006,17 +3040,675 @@
           <a:lstStyle/>
           <a:p>
             <a:r>
+              <a:rPr lang="en-US" altLang="zh-CN" dirty="0" smtClean="0">
+                <a:solidFill>
+                  <a:srgbClr val="00B050"/>
+                </a:solidFill>
+              </a:rPr>
+              <a:t>Unity Optimization</a:t>
+            </a:r>
+          </a:p>
+          <a:p>
+            <a:r>
               <a:rPr lang="en-US" altLang="zh-CN" dirty="0" smtClean="0"/>
-              <a:t>Unity Optimization</a:t>
-            </a:r>
-            <a:endParaRPr lang="zh-CN" altLang="en-US" dirty="0"/>
-          </a:p>
-        </p:txBody>
-      </p:sp>
+              <a:t>			</a:t>
+            </a:r>
+            <a:endParaRPr lang="zh-CN" altLang="en-US" dirty="0">
+              <a:solidFill>
+                <a:srgbClr val="00B0F0"/>
+              </a:solidFill>
+            </a:endParaRPr>
+          </a:p>
+        </p:txBody>
+      </p:sp>
+      <p:pic>
+        <p:nvPicPr>
+          <p:cNvPr id="6" name="图片 5"/>
+          <p:cNvPicPr>
+            <a:picLocks noChangeAspect="1"/>
+          </p:cNvPicPr>
+          <p:nvPr/>
+        </p:nvPicPr>
+        <p:blipFill>
+          <a:blip r:embed="rId3">
+            <a:extLst>
+              <a:ext uri="{28A0092B-C50C-407E-A947-70E740481C1C}">
+                <a14:useLocalDpi xmlns:a14="http://schemas.microsoft.com/office/drawing/2010/main" val="0"/>
+              </a:ext>
+            </a:extLst>
+          </a:blip>
+          <a:stretch>
+            <a:fillRect/>
+          </a:stretch>
+        </p:blipFill>
+        <p:spPr>
+          <a:xfrm>
+            <a:off x="358657" y="435750"/>
+            <a:ext cx="594249" cy="594249"/>
+          </a:xfrm>
+          <a:prstGeom prst="rect">
+            <a:avLst/>
+          </a:prstGeom>
+        </p:spPr>
+      </p:pic>
     </p:spTree>
     <p:extLst>
       <p:ext uri="{BB962C8B-B14F-4D97-AF65-F5344CB8AC3E}">
         <p14:creationId xmlns:p14="http://schemas.microsoft.com/office/powerpoint/2010/main" val="860943036"/>
+      </p:ext>
+    </p:extLst>
+  </p:cSld>
+  <p:clrMapOvr>
+    <a:masterClrMapping/>
+  </p:clrMapOvr>
+  <p:timing>
+    <p:tnLst>
+      <p:par>
+        <p:cTn id="1" dur="indefinite" restart="never" nodeType="tmRoot"/>
+      </p:par>
+    </p:tnLst>
+  </p:timing>
+</p:sld>
+</file>
+
+<file path=ppt/slides/slide10.xml><?xml version="1.0" encoding="utf-8"?>
+<p:sld xmlns:a="http://schemas.openxmlformats.org/drawingml/2006/main" xmlns:r="http://schemas.openxmlformats.org/officeDocument/2006/relationships" xmlns:p="http://schemas.openxmlformats.org/presentationml/2006/main">
+  <p:cSld>
+    <p:spTree>
+      <p:nvGrpSpPr>
+        <p:cNvPr id="1" name=""/>
+        <p:cNvGrpSpPr/>
+        <p:nvPr/>
+      </p:nvGrpSpPr>
+      <p:grpSpPr>
+        <a:xfrm>
+          <a:off x="0" y="0"/>
+          <a:ext cx="0" cy="0"/>
+          <a:chOff x="0" y="0"/>
+          <a:chExt cx="0" cy="0"/>
+        </a:xfrm>
+      </p:grpSpPr>
+      <p:sp>
+        <p:nvSpPr>
+          <p:cNvPr id="2" name="标题 1"/>
+          <p:cNvSpPr>
+            <a:spLocks noGrp="1"/>
+          </p:cNvSpPr>
+          <p:nvPr>
+            <p:ph type="title"/>
+          </p:nvPr>
+        </p:nvSpPr>
+        <p:spPr/>
+        <p:txBody>
+          <a:bodyPr/>
+          <a:lstStyle/>
+          <a:p>
+            <a:r>
+              <a:rPr lang="zh-CN" altLang="en-US" dirty="0" smtClean="0"/>
+              <a:t>工具</a:t>
+            </a:r>
+            <a:endParaRPr lang="zh-CN" altLang="en-US" dirty="0"/>
+          </a:p>
+        </p:txBody>
+      </p:sp>
+      <p:sp>
+        <p:nvSpPr>
+          <p:cNvPr id="3" name="内容占位符 2"/>
+          <p:cNvSpPr>
+            <a:spLocks noGrp="1"/>
+          </p:cNvSpPr>
+          <p:nvPr>
+            <p:ph idx="1"/>
+          </p:nvPr>
+        </p:nvSpPr>
+        <p:spPr/>
+        <p:txBody>
+          <a:bodyPr/>
+          <a:lstStyle/>
+          <a:p>
+            <a:pPr marL="457200" lvl="1" indent="0">
+              <a:buNone/>
+            </a:pPr>
+            <a:r>
+              <a:rPr lang="zh-CN" altLang="en-US" dirty="0" smtClean="0"/>
+              <a:t>扩展</a:t>
+            </a:r>
+            <a:r>
+              <a:rPr lang="en-US" altLang="zh-CN" dirty="0" smtClean="0"/>
+              <a:t>Profiler:</a:t>
+            </a:r>
+          </a:p>
+          <a:p>
+            <a:pPr marL="457200" lvl="1" indent="0">
+              <a:buNone/>
+            </a:pPr>
+            <a:r>
+              <a:rPr lang="en-US" altLang="zh-CN" dirty="0" smtClean="0"/>
+              <a:t>	1.</a:t>
+            </a:r>
+            <a:r>
+              <a:rPr lang="zh-CN" altLang="en-US" dirty="0" smtClean="0"/>
+              <a:t>打点</a:t>
+            </a:r>
+            <a:endParaRPr lang="en-US" altLang="zh-CN" dirty="0" smtClean="0"/>
+          </a:p>
+          <a:p>
+            <a:pPr marL="457200" lvl="1" indent="0">
+              <a:buNone/>
+            </a:pPr>
+            <a:r>
+              <a:rPr lang="en-US" altLang="zh-CN" dirty="0" smtClean="0"/>
+              <a:t>		</a:t>
+            </a:r>
+            <a:r>
+              <a:rPr lang="en-US" altLang="zh-CN" dirty="0" err="1" smtClean="0"/>
+              <a:t>UnityEngine.Profiling</a:t>
+            </a:r>
+            <a:endParaRPr lang="en-US" altLang="zh-CN" dirty="0" smtClean="0"/>
+          </a:p>
+          <a:p>
+            <a:pPr marL="457200" lvl="1" indent="0">
+              <a:buNone/>
+            </a:pPr>
+            <a:r>
+              <a:rPr lang="en-US" altLang="zh-CN" dirty="0" smtClean="0"/>
+              <a:t>			</a:t>
+            </a:r>
+            <a:r>
+              <a:rPr lang="en-US" altLang="zh-CN" dirty="0" err="1" smtClean="0"/>
+              <a:t>BeginSample</a:t>
+            </a:r>
+            <a:r>
+              <a:rPr lang="en-US" altLang="zh-CN" dirty="0" smtClean="0"/>
+              <a:t>/</a:t>
+            </a:r>
+            <a:r>
+              <a:rPr lang="en-US" altLang="zh-CN" dirty="0" err="1" smtClean="0"/>
+              <a:t>EndSample</a:t>
+            </a:r>
+            <a:r>
+              <a:rPr lang="zh-CN" altLang="en-US" dirty="0" smtClean="0"/>
+              <a:t>。</a:t>
+            </a:r>
+            <a:endParaRPr lang="en-US" altLang="zh-CN" dirty="0" smtClean="0"/>
+          </a:p>
+          <a:p>
+            <a:pPr marL="457200" lvl="1" indent="0">
+              <a:buNone/>
+            </a:pPr>
+            <a:r>
+              <a:rPr lang="en-US" altLang="zh-CN" dirty="0" smtClean="0"/>
+              <a:t>	2.</a:t>
+            </a:r>
+            <a:r>
+              <a:rPr lang="zh-CN" altLang="en-US" dirty="0" smtClean="0"/>
+              <a:t>录制保存。</a:t>
+            </a:r>
+            <a:endParaRPr lang="en-US" altLang="zh-CN" dirty="0" smtClean="0"/>
+          </a:p>
+          <a:p>
+            <a:pPr marL="457200" lvl="1" indent="0">
+              <a:buNone/>
+            </a:pPr>
+            <a:r>
+              <a:rPr lang="en-US" altLang="zh-CN" dirty="0"/>
+              <a:t>	</a:t>
+            </a:r>
+            <a:r>
+              <a:rPr lang="en-US" altLang="zh-CN" dirty="0" smtClean="0"/>
+              <a:t>	</a:t>
+            </a:r>
+            <a:r>
+              <a:rPr lang="en-US" altLang="zh-CN" dirty="0" err="1" smtClean="0"/>
+              <a:t>ProfilerDriver.SaveProfile</a:t>
+            </a:r>
+            <a:r>
+              <a:rPr lang="zh-CN" altLang="en-US" dirty="0"/>
+              <a:t>。</a:t>
+            </a:r>
+            <a:endParaRPr lang="en-US" altLang="zh-CN" dirty="0" smtClean="0"/>
+          </a:p>
+          <a:p>
+            <a:pPr marL="457200" lvl="1" indent="0">
+              <a:buNone/>
+            </a:pPr>
+            <a:r>
+              <a:rPr lang="en-US" altLang="zh-CN" dirty="0" smtClean="0"/>
+              <a:t>	3.Profile Analyzer</a:t>
+            </a:r>
+          </a:p>
+          <a:p>
+            <a:pPr marL="457200" lvl="1" indent="0">
+              <a:buNone/>
+            </a:pPr>
+            <a:r>
+              <a:rPr lang="en-US" altLang="zh-CN" dirty="0"/>
+              <a:t>	</a:t>
+            </a:r>
+            <a:r>
+              <a:rPr lang="en-US" altLang="zh-CN" dirty="0" smtClean="0"/>
+              <a:t>	Package Manager </a:t>
+            </a:r>
+            <a:r>
+              <a:rPr lang="zh-CN" altLang="en-US" dirty="0" smtClean="0"/>
+              <a:t>里获取。</a:t>
+            </a:r>
+            <a:endParaRPr lang="en-US" altLang="zh-CN" dirty="0"/>
+          </a:p>
+          <a:p>
+            <a:pPr marL="457200" lvl="1" indent="0">
+              <a:buNone/>
+            </a:pPr>
+            <a:endParaRPr lang="en-US" altLang="zh-CN" dirty="0" smtClean="0"/>
+          </a:p>
+          <a:p>
+            <a:pPr lvl="2"/>
+            <a:endParaRPr lang="zh-CN" altLang="en-US" dirty="0"/>
+          </a:p>
+        </p:txBody>
+      </p:sp>
+    </p:spTree>
+    <p:extLst>
+      <p:ext uri="{BB962C8B-B14F-4D97-AF65-F5344CB8AC3E}">
+        <p14:creationId xmlns:p14="http://schemas.microsoft.com/office/powerpoint/2010/main" val="860330907"/>
+      </p:ext>
+    </p:extLst>
+  </p:cSld>
+  <p:clrMapOvr>
+    <a:masterClrMapping/>
+  </p:clrMapOvr>
+</p:sld>
+</file>
+
+<file path=ppt/slides/slide11.xml><?xml version="1.0" encoding="utf-8"?>
+<p:sld xmlns:a="http://schemas.openxmlformats.org/drawingml/2006/main" xmlns:r="http://schemas.openxmlformats.org/officeDocument/2006/relationships" xmlns:p="http://schemas.openxmlformats.org/presentationml/2006/main">
+  <p:cSld>
+    <p:spTree>
+      <p:nvGrpSpPr>
+        <p:cNvPr id="1" name=""/>
+        <p:cNvGrpSpPr/>
+        <p:nvPr/>
+      </p:nvGrpSpPr>
+      <p:grpSpPr>
+        <a:xfrm>
+          <a:off x="0" y="0"/>
+          <a:ext cx="0" cy="0"/>
+          <a:chOff x="0" y="0"/>
+          <a:chExt cx="0" cy="0"/>
+        </a:xfrm>
+      </p:grpSpPr>
+      <p:sp>
+        <p:nvSpPr>
+          <p:cNvPr id="2" name="标题 1"/>
+          <p:cNvSpPr>
+            <a:spLocks noGrp="1"/>
+          </p:cNvSpPr>
+          <p:nvPr>
+            <p:ph type="title"/>
+          </p:nvPr>
+        </p:nvSpPr>
+        <p:spPr/>
+        <p:txBody>
+          <a:bodyPr/>
+          <a:lstStyle/>
+          <a:p>
+            <a:r>
+              <a:rPr lang="zh-CN" altLang="en-US" dirty="0" smtClean="0"/>
+              <a:t>工具</a:t>
+            </a:r>
+            <a:endParaRPr lang="zh-CN" altLang="en-US" dirty="0"/>
+          </a:p>
+        </p:txBody>
+      </p:sp>
+      <p:sp>
+        <p:nvSpPr>
+          <p:cNvPr id="3" name="内容占位符 2"/>
+          <p:cNvSpPr>
+            <a:spLocks noGrp="1"/>
+          </p:cNvSpPr>
+          <p:nvPr>
+            <p:ph idx="1"/>
+          </p:nvPr>
+        </p:nvSpPr>
+        <p:spPr/>
+        <p:txBody>
+          <a:bodyPr/>
+          <a:lstStyle/>
+          <a:p>
+            <a:r>
+              <a:rPr lang="en-US" altLang="zh-CN" dirty="0" smtClean="0"/>
+              <a:t>Memory Profiler</a:t>
+            </a:r>
+          </a:p>
+          <a:p>
+            <a:pPr marL="0" indent="0">
+              <a:buNone/>
+            </a:pPr>
+            <a:r>
+              <a:rPr lang="en-US" altLang="zh-CN" dirty="0" smtClean="0"/>
+              <a:t>	</a:t>
+            </a:r>
+            <a:r>
+              <a:rPr lang="zh-CN" altLang="en-US" dirty="0" smtClean="0"/>
+              <a:t>由</a:t>
+            </a:r>
+            <a:r>
+              <a:rPr lang="en-US" altLang="zh-CN" dirty="0" smtClean="0"/>
+              <a:t>Unity</a:t>
+            </a:r>
+            <a:r>
+              <a:rPr lang="zh-CN" altLang="en-US" dirty="0" smtClean="0"/>
+              <a:t>收购一个插件，可以再</a:t>
+            </a:r>
+            <a:r>
+              <a:rPr lang="en-US" altLang="zh-CN" dirty="0" smtClean="0"/>
+              <a:t>Package Manager </a:t>
+            </a:r>
+            <a:r>
+              <a:rPr lang="zh-CN" altLang="en-US" dirty="0" smtClean="0"/>
+              <a:t>中找到目前是预览版。是一个针对使用情况的查看的插件。</a:t>
+            </a:r>
+            <a:endParaRPr lang="zh-CN" altLang="en-US" dirty="0"/>
+          </a:p>
+        </p:txBody>
+      </p:sp>
+      <p:pic>
+        <p:nvPicPr>
+          <p:cNvPr id="4" name="图片 3"/>
+          <p:cNvPicPr>
+            <a:picLocks noChangeAspect="1"/>
+          </p:cNvPicPr>
+          <p:nvPr/>
+        </p:nvPicPr>
+        <p:blipFill>
+          <a:blip r:embed="rId2"/>
+          <a:stretch>
+            <a:fillRect/>
+          </a:stretch>
+        </p:blipFill>
+        <p:spPr>
+          <a:xfrm>
+            <a:off x="3124939" y="3363370"/>
+            <a:ext cx="7950383" cy="2813593"/>
+          </a:xfrm>
+          <a:prstGeom prst="rect">
+            <a:avLst/>
+          </a:prstGeom>
+        </p:spPr>
+      </p:pic>
+    </p:spTree>
+    <p:extLst>
+      <p:ext uri="{BB962C8B-B14F-4D97-AF65-F5344CB8AC3E}">
+        <p14:creationId xmlns:p14="http://schemas.microsoft.com/office/powerpoint/2010/main" val="248308832"/>
+      </p:ext>
+    </p:extLst>
+  </p:cSld>
+  <p:clrMapOvr>
+    <a:masterClrMapping/>
+  </p:clrMapOvr>
+</p:sld>
+</file>
+
+<file path=ppt/slides/slide12.xml><?xml version="1.0" encoding="utf-8"?>
+<p:sld xmlns:a="http://schemas.openxmlformats.org/drawingml/2006/main" xmlns:r="http://schemas.openxmlformats.org/officeDocument/2006/relationships" xmlns:p="http://schemas.openxmlformats.org/presentationml/2006/main">
+  <p:cSld>
+    <p:spTree>
+      <p:nvGrpSpPr>
+        <p:cNvPr id="1" name=""/>
+        <p:cNvGrpSpPr/>
+        <p:nvPr/>
+      </p:nvGrpSpPr>
+      <p:grpSpPr>
+        <a:xfrm>
+          <a:off x="0" y="0"/>
+          <a:ext cx="0" cy="0"/>
+          <a:chOff x="0" y="0"/>
+          <a:chExt cx="0" cy="0"/>
+        </a:xfrm>
+      </p:grpSpPr>
+      <p:sp>
+        <p:nvSpPr>
+          <p:cNvPr id="2" name="标题 1"/>
+          <p:cNvSpPr>
+            <a:spLocks noGrp="1"/>
+          </p:cNvSpPr>
+          <p:nvPr>
+            <p:ph type="title"/>
+          </p:nvPr>
+        </p:nvSpPr>
+        <p:spPr/>
+        <p:txBody>
+          <a:bodyPr/>
+          <a:lstStyle/>
+          <a:p>
+            <a:r>
+              <a:rPr lang="zh-CN" altLang="en-US" dirty="0" smtClean="0"/>
+              <a:t>优化的注意点</a:t>
+            </a:r>
+            <a:endParaRPr lang="zh-CN" altLang="en-US" dirty="0"/>
+          </a:p>
+        </p:txBody>
+      </p:sp>
+      <p:sp>
+        <p:nvSpPr>
+          <p:cNvPr id="3" name="内容占位符 2"/>
+          <p:cNvSpPr>
+            <a:spLocks noGrp="1"/>
+          </p:cNvSpPr>
+          <p:nvPr>
+            <p:ph idx="1"/>
+          </p:nvPr>
+        </p:nvSpPr>
+        <p:spPr/>
+        <p:txBody>
+          <a:bodyPr/>
+          <a:lstStyle/>
+          <a:p>
+            <a:r>
+              <a:rPr lang="zh-CN" altLang="en-US" dirty="0" smtClean="0"/>
+              <a:t>着眼全局，从大到小各个击破</a:t>
+            </a:r>
+            <a:endParaRPr lang="en-US" altLang="zh-CN" dirty="0" smtClean="0"/>
+          </a:p>
+          <a:p>
+            <a:r>
+              <a:rPr lang="zh-CN" altLang="en-US" dirty="0" smtClean="0"/>
+              <a:t>关注细节，注意不合理的地方</a:t>
+            </a:r>
+            <a:endParaRPr lang="en-US" altLang="zh-CN" dirty="0" smtClean="0"/>
+          </a:p>
+          <a:p>
+            <a:r>
+              <a:rPr lang="zh-CN" altLang="en-US" dirty="0" smtClean="0"/>
+              <a:t>合理判断，不要做出错误判断</a:t>
+            </a:r>
+            <a:endParaRPr lang="en-US" altLang="zh-CN" dirty="0" smtClean="0"/>
+          </a:p>
+          <a:p>
+            <a:r>
+              <a:rPr lang="zh-CN" altLang="en-US" dirty="0" smtClean="0"/>
+              <a:t>数据说话，</a:t>
+            </a:r>
+            <a:r>
+              <a:rPr lang="zh-CN" altLang="en-US" dirty="0" smtClean="0"/>
+              <a:t>不可以想当然</a:t>
+            </a:r>
+            <a:endParaRPr lang="en-US" altLang="zh-CN" dirty="0" smtClean="0"/>
+          </a:p>
+          <a:p>
+            <a:endParaRPr lang="zh-CN" altLang="en-US" dirty="0"/>
+          </a:p>
+        </p:txBody>
+      </p:sp>
+    </p:spTree>
+    <p:extLst>
+      <p:ext uri="{BB962C8B-B14F-4D97-AF65-F5344CB8AC3E}">
+        <p14:creationId xmlns:p14="http://schemas.microsoft.com/office/powerpoint/2010/main" val="3231684694"/>
+      </p:ext>
+    </p:extLst>
+  </p:cSld>
+  <p:clrMapOvr>
+    <a:masterClrMapping/>
+  </p:clrMapOvr>
+</p:sld>
+</file>
+
+<file path=ppt/slides/slide13.xml><?xml version="1.0" encoding="utf-8"?>
+<p:sld xmlns:a="http://schemas.openxmlformats.org/drawingml/2006/main" xmlns:r="http://schemas.openxmlformats.org/officeDocument/2006/relationships" xmlns:p="http://schemas.openxmlformats.org/presentationml/2006/main">
+  <p:cSld>
+    <p:spTree>
+      <p:nvGrpSpPr>
+        <p:cNvPr id="1" name=""/>
+        <p:cNvGrpSpPr/>
+        <p:nvPr/>
+      </p:nvGrpSpPr>
+      <p:grpSpPr>
+        <a:xfrm>
+          <a:off x="0" y="0"/>
+          <a:ext cx="0" cy="0"/>
+          <a:chOff x="0" y="0"/>
+          <a:chExt cx="0" cy="0"/>
+        </a:xfrm>
+      </p:grpSpPr>
+      <p:sp>
+        <p:nvSpPr>
+          <p:cNvPr id="2" name="标题 1"/>
+          <p:cNvSpPr>
+            <a:spLocks noGrp="1"/>
+          </p:cNvSpPr>
+          <p:nvPr>
+            <p:ph type="title"/>
+          </p:nvPr>
+        </p:nvSpPr>
+        <p:spPr/>
+        <p:txBody>
+          <a:bodyPr/>
+          <a:lstStyle/>
+          <a:p>
+            <a:r>
+              <a:rPr lang="zh-CN" altLang="en-US" dirty="0"/>
+              <a:t>代码</a:t>
+            </a:r>
+          </a:p>
+        </p:txBody>
+      </p:sp>
+      <p:sp>
+        <p:nvSpPr>
+          <p:cNvPr id="3" name="内容占位符 2"/>
+          <p:cNvSpPr>
+            <a:spLocks noGrp="1"/>
+          </p:cNvSpPr>
+          <p:nvPr>
+            <p:ph idx="1"/>
+          </p:nvPr>
+        </p:nvSpPr>
+        <p:spPr/>
+        <p:txBody>
+          <a:bodyPr/>
+          <a:lstStyle/>
+          <a:p>
+            <a:r>
+              <a:rPr lang="zh-CN" altLang="en-US" dirty="0" smtClean="0"/>
+              <a:t>避免使用 </a:t>
+            </a:r>
+            <a:r>
+              <a:rPr lang="en-US" altLang="zh-CN" dirty="0" err="1" smtClean="0"/>
+              <a:t>GameObject.Find</a:t>
+            </a:r>
+            <a:r>
+              <a:rPr lang="en-US" altLang="zh-CN" dirty="0" smtClean="0"/>
+              <a:t>() / </a:t>
+            </a:r>
+            <a:r>
+              <a:rPr lang="en-US" altLang="zh-CN" dirty="0" err="1" smtClean="0"/>
+              <a:t>SendMessage</a:t>
+            </a:r>
+            <a:r>
+              <a:rPr lang="en-US" altLang="zh-CN" dirty="0" smtClean="0"/>
+              <a:t>()</a:t>
+            </a:r>
+          </a:p>
+          <a:p>
+            <a:pPr marL="0" indent="0">
+              <a:buNone/>
+            </a:pPr>
+            <a:endParaRPr lang="en-US" altLang="zh-CN" dirty="0" smtClean="0"/>
+          </a:p>
+          <a:p>
+            <a:pPr marL="0" indent="0">
+              <a:buNone/>
+            </a:pPr>
+            <a:r>
+              <a:rPr lang="en-US" altLang="zh-CN" dirty="0" smtClean="0"/>
+              <a:t>Finds </a:t>
+            </a:r>
+            <a:r>
+              <a:rPr lang="en-US" altLang="zh-CN" dirty="0"/>
+              <a:t>a </a:t>
+            </a:r>
+            <a:r>
+              <a:rPr lang="en-US" altLang="zh-CN" dirty="0" err="1"/>
+              <a:t>GameObject</a:t>
+            </a:r>
+            <a:r>
+              <a:rPr lang="en-US" altLang="zh-CN" dirty="0"/>
+              <a:t> by name and returns it.</a:t>
+            </a:r>
+          </a:p>
+          <a:p>
+            <a:pPr marL="0" indent="0">
+              <a:buNone/>
+            </a:pPr>
+            <a:endParaRPr lang="en-US" altLang="zh-CN" smtClean="0"/>
+          </a:p>
+          <a:p>
+            <a:pPr marL="0" indent="0">
+              <a:buNone/>
+            </a:pPr>
+            <a:r>
+              <a:rPr lang="en-US" altLang="zh-CN" dirty="0" smtClean="0"/>
+              <a:t>Calls </a:t>
+            </a:r>
+            <a:r>
+              <a:rPr lang="en-US" altLang="zh-CN" dirty="0"/>
+              <a:t>the method named </a:t>
+            </a:r>
+            <a:r>
+              <a:rPr lang="en-US" altLang="zh-CN" dirty="0" err="1"/>
+              <a:t>methodName</a:t>
+            </a:r>
+            <a:r>
+              <a:rPr lang="en-US" altLang="zh-CN" dirty="0"/>
+              <a:t> on every </a:t>
+            </a:r>
+            <a:r>
+              <a:rPr lang="en-US" altLang="zh-CN" dirty="0" err="1"/>
+              <a:t>MonoBehaviour</a:t>
+            </a:r>
+            <a:r>
+              <a:rPr lang="en-US" altLang="zh-CN" dirty="0"/>
+              <a:t> in this game object</a:t>
+            </a:r>
+            <a:endParaRPr lang="en-US" altLang="zh-CN" dirty="0" smtClean="0"/>
+          </a:p>
+          <a:p>
+            <a:pPr marL="0" indent="0">
+              <a:buNone/>
+            </a:pPr>
+            <a:endParaRPr lang="en-US" altLang="zh-CN" dirty="0" smtClean="0"/>
+          </a:p>
+          <a:p>
+            <a:pPr marL="0" indent="0">
+              <a:buNone/>
+            </a:pPr>
+            <a:endParaRPr lang="zh-CN" altLang="en-US" dirty="0"/>
+          </a:p>
+        </p:txBody>
+      </p:sp>
+    </p:spTree>
+    <p:extLst>
+      <p:ext uri="{BB962C8B-B14F-4D97-AF65-F5344CB8AC3E}">
+        <p14:creationId xmlns:p14="http://schemas.microsoft.com/office/powerpoint/2010/main" val="360981426"/>
       </p:ext>
     </p:extLst>
   </p:cSld>
@@ -3060,160 +3752,80 @@
           <a:p>
             <a:r>
               <a:rPr lang="zh-CN" altLang="en-US" dirty="0" smtClean="0"/>
-              <a:t>性能优化概述</a:t>
-            </a:r>
+              <a:t>优化的底层思维</a:t>
+            </a:r>
+            <a:endParaRPr lang="zh-CN" altLang="en-US" dirty="0"/>
+          </a:p>
+        </p:txBody>
+      </p:sp>
+      <p:sp>
+        <p:nvSpPr>
+          <p:cNvPr id="3" name="内容占位符 2"/>
+          <p:cNvSpPr>
+            <a:spLocks noGrp="1"/>
+          </p:cNvSpPr>
+          <p:nvPr>
+            <p:ph idx="1"/>
+          </p:nvPr>
+        </p:nvSpPr>
+        <p:spPr/>
+        <p:txBody>
+          <a:bodyPr/>
+          <a:lstStyle/>
+          <a:p>
             <a:r>
               <a:rPr lang="en-US" altLang="zh-CN" dirty="0" smtClean="0"/>
-              <a:t>[</a:t>
-            </a:r>
-            <a:r>
-              <a:rPr lang="zh-CN" altLang="en-US" dirty="0" smtClean="0"/>
-              <a:t>一</a:t>
-            </a:r>
+              <a:t>Why</a:t>
+            </a:r>
+            <a:r>
+              <a:rPr lang="en-US" altLang="zh-CN" dirty="0"/>
+              <a:t>?</a:t>
+            </a:r>
+            <a:endParaRPr lang="en-US" altLang="zh-CN" dirty="0" smtClean="0"/>
+          </a:p>
+          <a:p>
             <a:r>
               <a:rPr lang="en-US" altLang="zh-CN" dirty="0" smtClean="0"/>
-              <a:t>]</a:t>
-            </a:r>
+              <a:t>What?</a:t>
+            </a:r>
+          </a:p>
+          <a:p>
+            <a:r>
+              <a:rPr lang="en-US" altLang="zh-CN" dirty="0" smtClean="0"/>
+              <a:t>Where?</a:t>
+            </a:r>
+          </a:p>
+          <a:p>
+            <a:r>
+              <a:rPr lang="en-US" altLang="zh-CN" dirty="0" smtClean="0"/>
+              <a:t>How?</a:t>
+            </a:r>
+          </a:p>
+          <a:p>
+            <a:pPr marL="0" indent="0">
+              <a:buNone/>
+            </a:pPr>
             <a:endParaRPr lang="zh-CN" altLang="en-US" dirty="0"/>
-          </a:p>
-        </p:txBody>
-      </p:sp>
-      <p:sp>
-        <p:nvSpPr>
-          <p:cNvPr id="3" name="内容占位符 2"/>
-          <p:cNvSpPr>
-            <a:spLocks noGrp="1"/>
-          </p:cNvSpPr>
-          <p:nvPr>
-            <p:ph idx="1"/>
-          </p:nvPr>
-        </p:nvSpPr>
-        <p:spPr/>
-        <p:txBody>
-          <a:bodyPr/>
-          <a:lstStyle/>
-          <a:p>
-            <a:pPr marL="0" indent="0">
-              <a:buNone/>
-            </a:pPr>
-            <a:r>
-              <a:rPr lang="zh-CN" altLang="en-US" dirty="0"/>
-              <a:t>常见</a:t>
-            </a:r>
-            <a:r>
-              <a:rPr lang="zh-CN" altLang="en-US" dirty="0" smtClean="0"/>
-              <a:t>性能问题：</a:t>
-            </a:r>
-            <a:endParaRPr lang="en-US" altLang="zh-CN" dirty="0" smtClean="0"/>
-          </a:p>
-          <a:p>
-            <a:pPr marL="0" indent="0">
-              <a:buNone/>
-            </a:pPr>
-            <a:r>
-              <a:rPr lang="en-US" altLang="zh-CN" dirty="0"/>
-              <a:t>	</a:t>
-            </a:r>
-            <a:r>
-              <a:rPr lang="zh-CN" altLang="en-US" dirty="0" smtClean="0"/>
-              <a:t>游戏卡顿</a:t>
-            </a:r>
-            <a:endParaRPr lang="en-US" altLang="zh-CN" dirty="0" smtClean="0"/>
-          </a:p>
-          <a:p>
-            <a:pPr marL="0" indent="0">
-              <a:buNone/>
-            </a:pPr>
-            <a:r>
-              <a:rPr lang="en-US" altLang="zh-CN" dirty="0"/>
-              <a:t>	</a:t>
-            </a:r>
-            <a:r>
-              <a:rPr lang="zh-CN" altLang="en-US" dirty="0" smtClean="0"/>
-              <a:t>游戏闪退</a:t>
-            </a:r>
-            <a:endParaRPr lang="en-US" altLang="zh-CN" dirty="0" smtClean="0"/>
-          </a:p>
-          <a:p>
-            <a:pPr marL="0" indent="0">
-              <a:buNone/>
-            </a:pPr>
-            <a:r>
-              <a:rPr lang="en-US" altLang="zh-CN" dirty="0"/>
-              <a:t>	</a:t>
-            </a:r>
-            <a:r>
-              <a:rPr lang="zh-CN" altLang="en-US" dirty="0" smtClean="0"/>
-              <a:t>游戏流量</a:t>
-            </a:r>
-            <a:endParaRPr lang="en-US" altLang="zh-CN" dirty="0" smtClean="0"/>
-          </a:p>
-          <a:p>
-            <a:pPr marL="0" indent="0">
-              <a:buNone/>
-            </a:pPr>
-            <a:r>
-              <a:rPr lang="en-US" altLang="zh-CN" dirty="0"/>
-              <a:t>	</a:t>
-            </a:r>
-            <a:r>
-              <a:rPr lang="zh-CN" altLang="en-US" dirty="0" smtClean="0"/>
-              <a:t>游戏包体</a:t>
-            </a:r>
-            <a:endParaRPr lang="en-US" altLang="zh-CN" dirty="0" smtClean="0"/>
-          </a:p>
-          <a:p>
-            <a:pPr marL="0" indent="0">
-              <a:buNone/>
-            </a:pPr>
-            <a:r>
-              <a:rPr lang="en-US" altLang="zh-CN" dirty="0"/>
-              <a:t>	</a:t>
-            </a:r>
-            <a:r>
-              <a:rPr lang="zh-CN" altLang="en-US" dirty="0" smtClean="0"/>
-              <a:t>游戏发热</a:t>
-            </a:r>
-            <a:endParaRPr lang="en-US" altLang="zh-CN" dirty="0" smtClean="0"/>
-          </a:p>
-          <a:p>
-            <a:pPr marL="0" indent="0">
-              <a:buNone/>
-            </a:pPr>
-            <a:r>
-              <a:rPr lang="en-US" altLang="zh-CN" dirty="0"/>
-              <a:t>	</a:t>
-            </a:r>
-            <a:endParaRPr lang="en-US" altLang="zh-CN" dirty="0" smtClean="0"/>
-          </a:p>
-          <a:p>
-            <a:pPr marL="0" indent="0">
-              <a:buNone/>
-            </a:pPr>
-            <a:r>
-              <a:rPr lang="en-US" altLang="zh-CN" dirty="0"/>
-              <a:t>	</a:t>
-            </a:r>
-            <a:endParaRPr lang="en-US" altLang="zh-CN" dirty="0" smtClean="0"/>
-          </a:p>
-          <a:p>
-            <a:pPr marL="0" indent="0">
-              <a:buNone/>
-            </a:pPr>
-            <a:endParaRPr lang="en-US" altLang="zh-CN" dirty="0" smtClean="0"/>
           </a:p>
         </p:txBody>
       </p:sp>
     </p:spTree>
     <p:extLst>
       <p:ext uri="{BB962C8B-B14F-4D97-AF65-F5344CB8AC3E}">
-        <p14:creationId xmlns:p14="http://schemas.microsoft.com/office/powerpoint/2010/main" val="714491677"/>
+        <p14:creationId xmlns:p14="http://schemas.microsoft.com/office/powerpoint/2010/main" val="1413582126"/>
       </p:ext>
     </p:extLst>
   </p:cSld>
   <p:clrMapOvr>
     <a:masterClrMapping/>
   </p:clrMapOvr>
+  <p:timing>
+    <p:tnLst>
+      <p:par>
+        <p:cTn id="1" dur="indefinite" restart="never" nodeType="tmRoot"/>
+      </p:par>
+    </p:tnLst>
+  </p:timing>
 </p:sld>
 </file>
 
@@ -3251,98 +3863,90 @@
           <a:p>
             <a:r>
               <a:rPr lang="zh-CN" altLang="en-US" dirty="0" smtClean="0"/>
-              <a:t>性能优化概述</a:t>
-            </a:r>
-            <a:r>
-              <a:rPr lang="en-US" altLang="zh-CN" dirty="0" smtClean="0"/>
-              <a:t>[</a:t>
-            </a:r>
+              <a:t>为什么需要优化？</a:t>
+            </a:r>
+            <a:endParaRPr lang="zh-CN" altLang="en-US" dirty="0"/>
+          </a:p>
+        </p:txBody>
+      </p:sp>
+      <p:sp>
+        <p:nvSpPr>
+          <p:cNvPr id="3" name="内容占位符 2"/>
+          <p:cNvSpPr>
+            <a:spLocks noGrp="1"/>
+          </p:cNvSpPr>
+          <p:nvPr>
+            <p:ph idx="1"/>
+          </p:nvPr>
+        </p:nvSpPr>
+        <p:spPr/>
+        <p:txBody>
+          <a:bodyPr/>
+          <a:lstStyle/>
+          <a:p>
             <a:r>
               <a:rPr lang="zh-CN" altLang="en-US" dirty="0" smtClean="0"/>
-              <a:t>二</a:t>
-            </a:r>
-            <a:r>
-              <a:rPr lang="en-US" altLang="zh-CN" dirty="0" smtClean="0"/>
-              <a:t>]</a:t>
+              <a:t>更好的</a:t>
+            </a:r>
+            <a:r>
+              <a:rPr lang="zh-CN" altLang="en-US" dirty="0" smtClean="0"/>
+              <a:t>用户</a:t>
+            </a:r>
+            <a:r>
+              <a:rPr lang="zh-CN" altLang="en-US" dirty="0" smtClean="0"/>
+              <a:t>体验</a:t>
             </a:r>
             <a:endParaRPr lang="zh-CN" altLang="en-US" dirty="0"/>
           </a:p>
         </p:txBody>
       </p:sp>
-      <p:sp>
-        <p:nvSpPr>
-          <p:cNvPr id="3" name="内容占位符 2"/>
-          <p:cNvSpPr>
-            <a:spLocks noGrp="1"/>
-          </p:cNvSpPr>
-          <p:nvPr>
-            <p:ph idx="1"/>
-          </p:nvPr>
-        </p:nvSpPr>
-        <p:spPr/>
-        <p:txBody>
-          <a:bodyPr/>
-          <a:lstStyle/>
-          <a:p>
-            <a:pPr marL="0" indent="0">
-              <a:buNone/>
-            </a:pPr>
-            <a:r>
-              <a:rPr lang="zh-CN" altLang="en-US" dirty="0" smtClean="0"/>
-              <a:t>那些地方需要优化</a:t>
-            </a:r>
-            <a:endParaRPr lang="en-US" altLang="zh-CN" dirty="0" smtClean="0"/>
-          </a:p>
-          <a:p>
-            <a:pPr marL="0" indent="0">
-              <a:buNone/>
-            </a:pPr>
-            <a:r>
-              <a:rPr lang="en-US" altLang="zh-CN" dirty="0"/>
-              <a:t>	</a:t>
-            </a:r>
-            <a:r>
-              <a:rPr lang="zh-CN" altLang="en-US" dirty="0" smtClean="0"/>
-              <a:t>代码</a:t>
-            </a:r>
-            <a:endParaRPr lang="en-US" altLang="zh-CN" dirty="0" smtClean="0"/>
-          </a:p>
-          <a:p>
-            <a:pPr marL="0" indent="0">
-              <a:buNone/>
-            </a:pPr>
-            <a:r>
-              <a:rPr lang="en-US" altLang="zh-CN" dirty="0"/>
-              <a:t>	</a:t>
-            </a:r>
-            <a:r>
-              <a:rPr lang="zh-CN" altLang="en-US" dirty="0" smtClean="0"/>
-              <a:t>资源</a:t>
-            </a:r>
-            <a:endParaRPr lang="en-US" altLang="zh-CN" dirty="0" smtClean="0"/>
-          </a:p>
-          <a:p>
-            <a:pPr marL="0" indent="0">
-              <a:buNone/>
-            </a:pPr>
-            <a:r>
-              <a:rPr lang="en-US" altLang="zh-CN" dirty="0"/>
-              <a:t>	</a:t>
-            </a:r>
-            <a:endParaRPr lang="en-US" altLang="zh-CN" dirty="0" smtClean="0"/>
-          </a:p>
-        </p:txBody>
-      </p:sp>
+      <p:pic>
+        <p:nvPicPr>
+          <p:cNvPr id="4" name="图片 3"/>
+          <p:cNvPicPr>
+            <a:picLocks noChangeAspect="1"/>
+          </p:cNvPicPr>
+          <p:nvPr/>
+        </p:nvPicPr>
+        <p:blipFill>
+          <a:blip r:embed="rId2">
+            <a:extLst>
+              <a:ext uri="{28A0092B-C50C-407E-A947-70E740481C1C}">
+                <a14:useLocalDpi xmlns:a14="http://schemas.microsoft.com/office/drawing/2010/main" val="0"/>
+              </a:ext>
+            </a:extLst>
+          </a:blip>
+          <a:stretch>
+            <a:fillRect/>
+          </a:stretch>
+        </p:blipFill>
+        <p:spPr>
+          <a:xfrm>
+            <a:off x="557068" y="818356"/>
+            <a:ext cx="419100" cy="419100"/>
+          </a:xfrm>
+          <a:prstGeom prst="rect">
+            <a:avLst/>
+          </a:prstGeom>
+        </p:spPr>
+      </p:pic>
     </p:spTree>
     <p:extLst>
       <p:ext uri="{BB962C8B-B14F-4D97-AF65-F5344CB8AC3E}">
-        <p14:creationId xmlns:p14="http://schemas.microsoft.com/office/powerpoint/2010/main" val="2586955655"/>
+        <p14:creationId xmlns:p14="http://schemas.microsoft.com/office/powerpoint/2010/main" val="317041175"/>
       </p:ext>
     </p:extLst>
   </p:cSld>
   <p:clrMapOvr>
     <a:masterClrMapping/>
   </p:clrMapOvr>
+  <p:timing>
+    <p:tnLst>
+      <p:par>
+        <p:cTn id="1" dur="indefinite" restart="never" nodeType="tmRoot"/>
+      </p:par>
+    </p:tnLst>
+  </p:timing>
 </p:sld>
 </file>
 
@@ -3380,55 +3984,730 @@
           <a:p>
             <a:r>
               <a:rPr lang="zh-CN" altLang="en-US" dirty="0" smtClean="0"/>
-              <a:t>性能优化概述</a:t>
+              <a:t>优化是什么？</a:t>
+            </a:r>
+            <a:endParaRPr lang="zh-CN" altLang="en-US" dirty="0"/>
+          </a:p>
+        </p:txBody>
+      </p:sp>
+      <p:sp>
+        <p:nvSpPr>
+          <p:cNvPr id="3" name="内容占位符 2"/>
+          <p:cNvSpPr>
+            <a:spLocks noGrp="1"/>
+          </p:cNvSpPr>
+          <p:nvPr>
+            <p:ph idx="1"/>
+          </p:nvPr>
+        </p:nvSpPr>
+        <p:spPr/>
+        <p:txBody>
+          <a:bodyPr/>
+          <a:lstStyle/>
+          <a:p>
+            <a:r>
+              <a:rPr lang="zh-CN" altLang="en-US" dirty="0" smtClean="0"/>
+              <a:t>优： </a:t>
             </a:r>
             <a:r>
               <a:rPr lang="en-US" altLang="zh-CN" dirty="0" smtClean="0"/>
-              <a:t>[</a:t>
-            </a:r>
+              <a:t>Batter</a:t>
+            </a:r>
+          </a:p>
+          <a:p>
             <a:r>
               <a:rPr lang="zh-CN" altLang="en-US" dirty="0" smtClean="0"/>
-              <a:t>三</a:t>
+              <a:t>化： </a:t>
             </a:r>
             <a:r>
               <a:rPr lang="en-US" altLang="zh-CN" dirty="0" smtClean="0"/>
-              <a:t>]	</a:t>
+              <a:t>Solve</a:t>
+            </a:r>
+          </a:p>
+          <a:p>
+            <a:pPr marL="0" indent="0">
+              <a:buNone/>
+            </a:pPr>
+            <a:r>
+              <a:rPr lang="zh-CN" altLang="en-US" dirty="0"/>
+              <a:t>一</a:t>
+            </a:r>
+            <a:r>
+              <a:rPr lang="zh-CN" altLang="en-US" dirty="0" smtClean="0"/>
+              <a:t>个更好的解决方案。</a:t>
             </a:r>
             <a:endParaRPr lang="zh-CN" altLang="en-US" dirty="0"/>
           </a:p>
         </p:txBody>
       </p:sp>
-      <p:sp>
-        <p:nvSpPr>
-          <p:cNvPr id="3" name="内容占位符 2"/>
-          <p:cNvSpPr>
-            <a:spLocks noGrp="1"/>
-          </p:cNvSpPr>
-          <p:nvPr>
-            <p:ph idx="1"/>
-          </p:nvPr>
-        </p:nvSpPr>
-        <p:spPr/>
-        <p:txBody>
-          <a:bodyPr/>
-          <a:lstStyle/>
-          <a:p>
-            <a:r>
-              <a:rPr lang="zh-CN" altLang="en-US" dirty="0" smtClean="0"/>
-              <a:t>深入理解优化</a:t>
-            </a:r>
-            <a:endParaRPr lang="en-US" altLang="zh-CN" dirty="0" smtClean="0"/>
-          </a:p>
-          <a:p>
-            <a:pPr lvl="1"/>
-            <a:endParaRPr lang="zh-CN" altLang="en-US" dirty="0"/>
-          </a:p>
-        </p:txBody>
-      </p:sp>
+      <p:pic>
+        <p:nvPicPr>
+          <p:cNvPr id="4" name="图片 3"/>
+          <p:cNvPicPr>
+            <a:picLocks noChangeAspect="1"/>
+          </p:cNvPicPr>
+          <p:nvPr/>
+        </p:nvPicPr>
+        <p:blipFill>
+          <a:blip r:embed="rId2">
+            <a:extLst>
+              <a:ext uri="{28A0092B-C50C-407E-A947-70E740481C1C}">
+                <a14:useLocalDpi xmlns:a14="http://schemas.microsoft.com/office/drawing/2010/main" val="0"/>
+              </a:ext>
+            </a:extLst>
+          </a:blip>
+          <a:stretch>
+            <a:fillRect/>
+          </a:stretch>
+        </p:blipFill>
+        <p:spPr>
+          <a:xfrm>
+            <a:off x="501650" y="818356"/>
+            <a:ext cx="419100" cy="419100"/>
+          </a:xfrm>
+          <a:prstGeom prst="rect">
+            <a:avLst/>
+          </a:prstGeom>
+        </p:spPr>
+      </p:pic>
     </p:spTree>
     <p:extLst>
       <p:ext uri="{BB962C8B-B14F-4D97-AF65-F5344CB8AC3E}">
-        <p14:creationId xmlns:p14="http://schemas.microsoft.com/office/powerpoint/2010/main" val="3268689674"/>
+        <p14:creationId xmlns:p14="http://schemas.microsoft.com/office/powerpoint/2010/main" val="623722193"/>
+      </p:ext>
+    </p:extLst>
+  </p:cSld>
+  <p:clrMapOvr>
+    <a:masterClrMapping/>
+  </p:clrMapOvr>
+</p:sld>
+</file>
+
+<file path=ppt/slides/slide5.xml><?xml version="1.0" encoding="utf-8"?>
+<p:sld xmlns:a="http://schemas.openxmlformats.org/drawingml/2006/main" xmlns:r="http://schemas.openxmlformats.org/officeDocument/2006/relationships" xmlns:p="http://schemas.openxmlformats.org/presentationml/2006/main">
+  <p:cSld>
+    <p:spTree>
+      <p:nvGrpSpPr>
+        <p:cNvPr id="1" name=""/>
+        <p:cNvGrpSpPr/>
+        <p:nvPr/>
+      </p:nvGrpSpPr>
+      <p:grpSpPr>
+        <a:xfrm>
+          <a:off x="0" y="0"/>
+          <a:ext cx="0" cy="0"/>
+          <a:chOff x="0" y="0"/>
+          <a:chExt cx="0" cy="0"/>
+        </a:xfrm>
+      </p:grpSpPr>
+      <p:sp>
+        <p:nvSpPr>
+          <p:cNvPr id="2" name="标题 1"/>
+          <p:cNvSpPr>
+            <a:spLocks noGrp="1"/>
+          </p:cNvSpPr>
+          <p:nvPr>
+            <p:ph type="title"/>
+          </p:nvPr>
+        </p:nvSpPr>
+        <p:spPr/>
+        <p:txBody>
+          <a:bodyPr/>
+          <a:lstStyle/>
+          <a:p>
+            <a:r>
+              <a:rPr lang="zh-CN" altLang="en-US" dirty="0" smtClean="0"/>
+              <a:t>优化哪里？</a:t>
+            </a:r>
+            <a:endParaRPr lang="zh-CN" altLang="en-US" dirty="0"/>
+          </a:p>
+        </p:txBody>
+      </p:sp>
+      <p:sp>
+        <p:nvSpPr>
+          <p:cNvPr id="3" name="内容占位符 2"/>
+          <p:cNvSpPr>
+            <a:spLocks noGrp="1"/>
+          </p:cNvSpPr>
+          <p:nvPr>
+            <p:ph idx="1"/>
+          </p:nvPr>
+        </p:nvSpPr>
+        <p:spPr/>
+        <p:txBody>
+          <a:bodyPr/>
+          <a:lstStyle/>
+          <a:p>
+            <a:r>
+              <a:rPr lang="zh-CN" altLang="en-US" dirty="0" smtClean="0"/>
+              <a:t>结果上看：帧率，发热</a:t>
+            </a:r>
+            <a:r>
+              <a:rPr lang="zh-CN" altLang="en-US" dirty="0"/>
+              <a:t>，</a:t>
+            </a:r>
+            <a:r>
+              <a:rPr lang="zh-CN" altLang="en-US" dirty="0" smtClean="0"/>
+              <a:t>流量，包体，流畅。</a:t>
+            </a:r>
+            <a:endParaRPr lang="en-US" altLang="zh-CN" dirty="0" smtClean="0"/>
+          </a:p>
+          <a:p>
+            <a:r>
+              <a:rPr lang="zh-CN" altLang="en-US" dirty="0" smtClean="0"/>
+              <a:t>过程上看： </a:t>
+            </a:r>
+            <a:r>
+              <a:rPr lang="en-US" altLang="zh-CN" dirty="0" smtClean="0"/>
+              <a:t>CPU</a:t>
+            </a:r>
+            <a:r>
+              <a:rPr lang="zh-CN" altLang="en-US" dirty="0" smtClean="0"/>
+              <a:t>，</a:t>
+            </a:r>
+            <a:r>
+              <a:rPr lang="en-US" altLang="zh-CN" dirty="0" smtClean="0"/>
+              <a:t>GPU</a:t>
+            </a:r>
+            <a:r>
+              <a:rPr lang="zh-CN" altLang="en-US" dirty="0" smtClean="0"/>
+              <a:t>，内存，资源格式，加载策略。</a:t>
+            </a:r>
+            <a:endParaRPr lang="en-US" altLang="zh-CN" dirty="0" smtClean="0"/>
+          </a:p>
+        </p:txBody>
+      </p:sp>
+      <p:pic>
+        <p:nvPicPr>
+          <p:cNvPr id="4" name="图片 3"/>
+          <p:cNvPicPr>
+            <a:picLocks noChangeAspect="1"/>
+          </p:cNvPicPr>
+          <p:nvPr/>
+        </p:nvPicPr>
+        <p:blipFill>
+          <a:blip r:embed="rId2">
+            <a:extLst>
+              <a:ext uri="{28A0092B-C50C-407E-A947-70E740481C1C}">
+                <a14:useLocalDpi xmlns:a14="http://schemas.microsoft.com/office/drawing/2010/main" val="0"/>
+              </a:ext>
+            </a:extLst>
+          </a:blip>
+          <a:stretch>
+            <a:fillRect/>
+          </a:stretch>
+        </p:blipFill>
+        <p:spPr>
+          <a:xfrm>
+            <a:off x="419100" y="818356"/>
+            <a:ext cx="419100" cy="419100"/>
+          </a:xfrm>
+          <a:prstGeom prst="rect">
+            <a:avLst/>
+          </a:prstGeom>
+        </p:spPr>
+      </p:pic>
+    </p:spTree>
+    <p:extLst>
+      <p:ext uri="{BB962C8B-B14F-4D97-AF65-F5344CB8AC3E}">
+        <p14:creationId xmlns:p14="http://schemas.microsoft.com/office/powerpoint/2010/main" val="2992765698"/>
+      </p:ext>
+    </p:extLst>
+  </p:cSld>
+  <p:clrMapOvr>
+    <a:masterClrMapping/>
+  </p:clrMapOvr>
+</p:sld>
+</file>
+
+<file path=ppt/slides/slide6.xml><?xml version="1.0" encoding="utf-8"?>
+<p:sld xmlns:a="http://schemas.openxmlformats.org/drawingml/2006/main" xmlns:r="http://schemas.openxmlformats.org/officeDocument/2006/relationships" xmlns:p="http://schemas.openxmlformats.org/presentationml/2006/main">
+  <p:cSld>
+    <p:spTree>
+      <p:nvGrpSpPr>
+        <p:cNvPr id="1" name=""/>
+        <p:cNvGrpSpPr/>
+        <p:nvPr/>
+      </p:nvGrpSpPr>
+      <p:grpSpPr>
+        <a:xfrm>
+          <a:off x="0" y="0"/>
+          <a:ext cx="0" cy="0"/>
+          <a:chOff x="0" y="0"/>
+          <a:chExt cx="0" cy="0"/>
+        </a:xfrm>
+      </p:grpSpPr>
+      <p:sp>
+        <p:nvSpPr>
+          <p:cNvPr id="2" name="标题 1"/>
+          <p:cNvSpPr>
+            <a:spLocks noGrp="1"/>
+          </p:cNvSpPr>
+          <p:nvPr>
+            <p:ph type="title"/>
+          </p:nvPr>
+        </p:nvSpPr>
+        <p:spPr/>
+        <p:txBody>
+          <a:bodyPr/>
+          <a:lstStyle/>
+          <a:p>
+            <a:r>
+              <a:rPr lang="zh-CN" altLang="en-US" dirty="0" smtClean="0"/>
+              <a:t>优化必须知道的手段</a:t>
+            </a:r>
+            <a:endParaRPr lang="zh-CN" altLang="en-US" dirty="0"/>
+          </a:p>
+        </p:txBody>
+      </p:sp>
+      <p:sp>
+        <p:nvSpPr>
+          <p:cNvPr id="3" name="内容占位符 2"/>
+          <p:cNvSpPr>
+            <a:spLocks noGrp="1"/>
+          </p:cNvSpPr>
+          <p:nvPr>
+            <p:ph idx="1"/>
+          </p:nvPr>
+        </p:nvSpPr>
+        <p:spPr/>
+        <p:txBody>
+          <a:bodyPr>
+            <a:normAutofit fontScale="92500" lnSpcReduction="20000"/>
+          </a:bodyPr>
+          <a:lstStyle/>
+          <a:p>
+            <a:r>
+              <a:rPr lang="en-US" altLang="zh-CN" dirty="0" smtClean="0"/>
+              <a:t>How?</a:t>
+            </a:r>
+          </a:p>
+          <a:p>
+            <a:r>
+              <a:rPr lang="en-US" altLang="zh-CN" dirty="0" smtClean="0"/>
+              <a:t>1. Profiler</a:t>
+            </a:r>
+          </a:p>
+          <a:p>
+            <a:r>
+              <a:rPr lang="en-US" altLang="zh-CN" dirty="0" smtClean="0"/>
+              <a:t>2. Memory Profiler</a:t>
+            </a:r>
+          </a:p>
+          <a:p>
+            <a:r>
+              <a:rPr lang="en-US" altLang="zh-CN" dirty="0" smtClean="0"/>
+              <a:t>3. </a:t>
+            </a:r>
+            <a:r>
+              <a:rPr lang="en-US" altLang="zh-CN" dirty="0" err="1" smtClean="0"/>
+              <a:t>Perfdog</a:t>
+            </a:r>
+            <a:endParaRPr lang="en-US" altLang="zh-CN" dirty="0" smtClean="0"/>
+          </a:p>
+          <a:p>
+            <a:r>
+              <a:rPr lang="en-US" altLang="zh-CN" dirty="0" smtClean="0"/>
+              <a:t>4. Snapdragon Profiler</a:t>
+            </a:r>
+          </a:p>
+          <a:p>
+            <a:r>
+              <a:rPr lang="en-US" altLang="zh-CN" dirty="0" smtClean="0"/>
+              <a:t>5. Instruments</a:t>
+            </a:r>
+          </a:p>
+          <a:p>
+            <a:r>
+              <a:rPr lang="en-US" altLang="zh-CN" dirty="0" smtClean="0"/>
+              <a:t>6. Stats</a:t>
+            </a:r>
+          </a:p>
+          <a:p>
+            <a:r>
+              <a:rPr lang="en-US" altLang="zh-CN" dirty="0" smtClean="0"/>
+              <a:t>7. Frame Debug</a:t>
+            </a:r>
+          </a:p>
+          <a:p>
+            <a:r>
+              <a:rPr lang="en-US" altLang="zh-CN" dirty="0" smtClean="0"/>
+              <a:t>8. </a:t>
+            </a:r>
+            <a:r>
+              <a:rPr lang="zh-CN" altLang="en-US" dirty="0" smtClean="0"/>
+              <a:t>第三方平台工具</a:t>
+            </a:r>
+            <a:r>
+              <a:rPr lang="en-US" altLang="zh-CN" dirty="0" smtClean="0"/>
+              <a:t>(UWA)</a:t>
+            </a:r>
+            <a:r>
+              <a:rPr lang="zh-CN" altLang="en-US" dirty="0" smtClean="0"/>
+              <a:t>。</a:t>
+            </a:r>
+            <a:endParaRPr lang="en-US" altLang="zh-CN" dirty="0" smtClean="0"/>
+          </a:p>
+          <a:p>
+            <a:r>
+              <a:rPr lang="en-US" altLang="zh-CN" dirty="0" smtClean="0"/>
+              <a:t>9. URP</a:t>
+            </a:r>
+          </a:p>
+          <a:p>
+            <a:pPr marL="0" indent="0">
+              <a:buNone/>
+            </a:pPr>
+            <a:endParaRPr lang="zh-CN" altLang="en-US" dirty="0"/>
+          </a:p>
+        </p:txBody>
+      </p:sp>
+    </p:spTree>
+    <p:extLst>
+      <p:ext uri="{BB962C8B-B14F-4D97-AF65-F5344CB8AC3E}">
+        <p14:creationId xmlns:p14="http://schemas.microsoft.com/office/powerpoint/2010/main" val="3278832585"/>
+      </p:ext>
+    </p:extLst>
+  </p:cSld>
+  <p:clrMapOvr>
+    <a:masterClrMapping/>
+  </p:clrMapOvr>
+</p:sld>
+</file>
+
+<file path=ppt/slides/slide7.xml><?xml version="1.0" encoding="utf-8"?>
+<p:sld xmlns:a="http://schemas.openxmlformats.org/drawingml/2006/main" xmlns:r="http://schemas.openxmlformats.org/officeDocument/2006/relationships" xmlns:p="http://schemas.openxmlformats.org/presentationml/2006/main">
+  <p:cSld>
+    <p:spTree>
+      <p:nvGrpSpPr>
+        <p:cNvPr id="1" name=""/>
+        <p:cNvGrpSpPr/>
+        <p:nvPr/>
+      </p:nvGrpSpPr>
+      <p:grpSpPr>
+        <a:xfrm>
+          <a:off x="0" y="0"/>
+          <a:ext cx="0" cy="0"/>
+          <a:chOff x="0" y="0"/>
+          <a:chExt cx="0" cy="0"/>
+        </a:xfrm>
+      </p:grpSpPr>
+      <p:sp>
+        <p:nvSpPr>
+          <p:cNvPr id="2" name="标题 1"/>
+          <p:cNvSpPr>
+            <a:spLocks noGrp="1"/>
+          </p:cNvSpPr>
+          <p:nvPr>
+            <p:ph type="title"/>
+          </p:nvPr>
+        </p:nvSpPr>
+        <p:spPr/>
+        <p:txBody>
+          <a:bodyPr/>
+          <a:lstStyle/>
+          <a:p>
+            <a:r>
+              <a:rPr lang="zh-CN" altLang="en-US" dirty="0" smtClean="0"/>
+              <a:t>如何正确知道代码执行的耗时？</a:t>
+            </a:r>
+            <a:endParaRPr lang="zh-CN" altLang="en-US" dirty="0"/>
+          </a:p>
+        </p:txBody>
+      </p:sp>
+      <p:sp>
+        <p:nvSpPr>
+          <p:cNvPr id="5" name="内容占位符 4"/>
+          <p:cNvSpPr>
+            <a:spLocks noGrp="1"/>
+          </p:cNvSpPr>
+          <p:nvPr>
+            <p:ph idx="1"/>
+          </p:nvPr>
+        </p:nvSpPr>
+        <p:spPr/>
+        <p:txBody>
+          <a:bodyPr/>
+          <a:lstStyle/>
+          <a:p>
+            <a:r>
+              <a:rPr lang="en-US" altLang="zh-CN" dirty="0" smtClean="0"/>
+              <a:t>Stopwatch</a:t>
+            </a:r>
+          </a:p>
+          <a:p>
+            <a:pPr marL="0" indent="0">
+              <a:buNone/>
+            </a:pPr>
+            <a:r>
+              <a:rPr lang="en-US" altLang="zh-CN" dirty="0" smtClean="0"/>
+              <a:t> </a:t>
+            </a:r>
+            <a:r>
+              <a:rPr lang="en-US" altLang="zh-CN" dirty="0" err="1"/>
+              <a:t>System.Diagnostics</a:t>
+            </a:r>
+            <a:endParaRPr lang="zh-CN" altLang="en-US" dirty="0"/>
+          </a:p>
+        </p:txBody>
+      </p:sp>
+      <p:pic>
+        <p:nvPicPr>
+          <p:cNvPr id="7" name="图片 6"/>
+          <p:cNvPicPr>
+            <a:picLocks noChangeAspect="1"/>
+          </p:cNvPicPr>
+          <p:nvPr/>
+        </p:nvPicPr>
+        <p:blipFill>
+          <a:blip r:embed="rId2"/>
+          <a:stretch>
+            <a:fillRect/>
+          </a:stretch>
+        </p:blipFill>
+        <p:spPr>
+          <a:xfrm>
+            <a:off x="5587086" y="2020341"/>
+            <a:ext cx="5580952" cy="3961905"/>
+          </a:xfrm>
+          <a:prstGeom prst="rect">
+            <a:avLst/>
+          </a:prstGeom>
+        </p:spPr>
+      </p:pic>
+    </p:spTree>
+    <p:extLst>
+      <p:ext uri="{BB962C8B-B14F-4D97-AF65-F5344CB8AC3E}">
+        <p14:creationId xmlns:p14="http://schemas.microsoft.com/office/powerpoint/2010/main" val="1348342976"/>
+      </p:ext>
+    </p:extLst>
+  </p:cSld>
+  <p:clrMapOvr>
+    <a:masterClrMapping/>
+  </p:clrMapOvr>
+</p:sld>
+</file>
+
+<file path=ppt/slides/slide8.xml><?xml version="1.0" encoding="utf-8"?>
+<p:sld xmlns:a="http://schemas.openxmlformats.org/drawingml/2006/main" xmlns:r="http://schemas.openxmlformats.org/officeDocument/2006/relationships" xmlns:p="http://schemas.openxmlformats.org/presentationml/2006/main">
+  <p:cSld>
+    <p:spTree>
+      <p:nvGrpSpPr>
+        <p:cNvPr id="1" name=""/>
+        <p:cNvGrpSpPr/>
+        <p:nvPr/>
+      </p:nvGrpSpPr>
+      <p:grpSpPr>
+        <a:xfrm>
+          <a:off x="0" y="0"/>
+          <a:ext cx="0" cy="0"/>
+          <a:chOff x="0" y="0"/>
+          <a:chExt cx="0" cy="0"/>
+        </a:xfrm>
+      </p:grpSpPr>
+      <p:sp>
+        <p:nvSpPr>
+          <p:cNvPr id="2" name="标题 1"/>
+          <p:cNvSpPr>
+            <a:spLocks noGrp="1"/>
+          </p:cNvSpPr>
+          <p:nvPr>
+            <p:ph type="title"/>
+          </p:nvPr>
+        </p:nvSpPr>
+        <p:spPr/>
+        <p:txBody>
+          <a:bodyPr/>
+          <a:lstStyle/>
+          <a:p>
+            <a:r>
+              <a:rPr lang="zh-CN" altLang="en-US" dirty="0" smtClean="0"/>
+              <a:t>工具</a:t>
+            </a:r>
+            <a:endParaRPr lang="zh-CN" altLang="en-US" dirty="0"/>
+          </a:p>
+        </p:txBody>
+      </p:sp>
+      <p:sp>
+        <p:nvSpPr>
+          <p:cNvPr id="3" name="内容占位符 2"/>
+          <p:cNvSpPr>
+            <a:spLocks noGrp="1"/>
+          </p:cNvSpPr>
+          <p:nvPr>
+            <p:ph idx="1"/>
+          </p:nvPr>
+        </p:nvSpPr>
+        <p:spPr/>
+        <p:txBody>
+          <a:bodyPr/>
+          <a:lstStyle/>
+          <a:p>
+            <a:r>
+              <a:rPr lang="en-US" altLang="zh-CN" dirty="0" smtClean="0"/>
+              <a:t>Profiler</a:t>
+            </a:r>
+          </a:p>
+          <a:p>
+            <a:pPr marL="0" indent="0">
+              <a:buNone/>
+            </a:pPr>
+            <a:r>
+              <a:rPr lang="en-US" altLang="zh-CN" dirty="0" smtClean="0"/>
+              <a:t>	Unity </a:t>
+            </a:r>
+            <a:r>
+              <a:rPr lang="zh-CN" altLang="en-US" dirty="0" smtClean="0"/>
+              <a:t>自带的优化工具。</a:t>
+            </a:r>
+            <a:endParaRPr lang="en-US" altLang="zh-CN" dirty="0" smtClean="0"/>
+          </a:p>
+          <a:p>
+            <a:pPr marL="0" indent="0">
+              <a:buNone/>
+            </a:pPr>
+            <a:r>
+              <a:rPr lang="en-US" altLang="zh-CN" dirty="0" smtClean="0"/>
+              <a:t>	Window/Analysis/Profiler</a:t>
+            </a:r>
+          </a:p>
+          <a:p>
+            <a:pPr marL="0" indent="0">
+              <a:buNone/>
+            </a:pPr>
+            <a:endParaRPr lang="zh-CN" altLang="en-US" dirty="0"/>
+          </a:p>
+        </p:txBody>
+      </p:sp>
+      <p:pic>
+        <p:nvPicPr>
+          <p:cNvPr id="4" name="图片 3"/>
+          <p:cNvPicPr>
+            <a:picLocks noChangeAspect="1"/>
+          </p:cNvPicPr>
+          <p:nvPr/>
+        </p:nvPicPr>
+        <p:blipFill>
+          <a:blip r:embed="rId2"/>
+          <a:stretch>
+            <a:fillRect/>
+          </a:stretch>
+        </p:blipFill>
+        <p:spPr>
+          <a:xfrm>
+            <a:off x="7247877" y="2596356"/>
+            <a:ext cx="1914525" cy="2809875"/>
+          </a:xfrm>
+          <a:prstGeom prst="rect">
+            <a:avLst/>
+          </a:prstGeom>
+        </p:spPr>
+      </p:pic>
+    </p:spTree>
+    <p:extLst>
+      <p:ext uri="{BB962C8B-B14F-4D97-AF65-F5344CB8AC3E}">
+        <p14:creationId xmlns:p14="http://schemas.microsoft.com/office/powerpoint/2010/main" val="3140095016"/>
+      </p:ext>
+    </p:extLst>
+  </p:cSld>
+  <p:clrMapOvr>
+    <a:masterClrMapping/>
+  </p:clrMapOvr>
+</p:sld>
+</file>
+
+<file path=ppt/slides/slide9.xml><?xml version="1.0" encoding="utf-8"?>
+<p:sld xmlns:a="http://schemas.openxmlformats.org/drawingml/2006/main" xmlns:r="http://schemas.openxmlformats.org/officeDocument/2006/relationships" xmlns:p="http://schemas.openxmlformats.org/presentationml/2006/main">
+  <p:cSld>
+    <p:spTree>
+      <p:nvGrpSpPr>
+        <p:cNvPr id="1" name=""/>
+        <p:cNvGrpSpPr/>
+        <p:nvPr/>
+      </p:nvGrpSpPr>
+      <p:grpSpPr>
+        <a:xfrm>
+          <a:off x="0" y="0"/>
+          <a:ext cx="0" cy="0"/>
+          <a:chOff x="0" y="0"/>
+          <a:chExt cx="0" cy="0"/>
+        </a:xfrm>
+      </p:grpSpPr>
+      <p:sp>
+        <p:nvSpPr>
+          <p:cNvPr id="2" name="标题 1"/>
+          <p:cNvSpPr>
+            <a:spLocks noGrp="1"/>
+          </p:cNvSpPr>
+          <p:nvPr>
+            <p:ph type="title"/>
+          </p:nvPr>
+        </p:nvSpPr>
+        <p:spPr/>
+        <p:txBody>
+          <a:bodyPr/>
+          <a:lstStyle/>
+          <a:p>
+            <a:r>
+              <a:rPr lang="zh-CN" altLang="en-US" dirty="0" smtClean="0"/>
+              <a:t>工具</a:t>
+            </a:r>
+            <a:endParaRPr lang="zh-CN" altLang="en-US" dirty="0"/>
+          </a:p>
+        </p:txBody>
+      </p:sp>
+      <p:sp>
+        <p:nvSpPr>
+          <p:cNvPr id="3" name="内容占位符 2"/>
+          <p:cNvSpPr>
+            <a:spLocks noGrp="1"/>
+          </p:cNvSpPr>
+          <p:nvPr>
+            <p:ph idx="1"/>
+          </p:nvPr>
+        </p:nvSpPr>
+        <p:spPr/>
+        <p:txBody>
+          <a:bodyPr/>
+          <a:lstStyle/>
+          <a:p>
+            <a:r>
+              <a:rPr lang="en-US" altLang="zh-CN" dirty="0" smtClean="0"/>
+              <a:t>Profiler</a:t>
+            </a:r>
+          </a:p>
+          <a:p>
+            <a:pPr lvl="1"/>
+            <a:r>
+              <a:rPr lang="en-US" altLang="zh-CN" dirty="0" smtClean="0"/>
+              <a:t>Record</a:t>
+            </a:r>
+          </a:p>
+          <a:p>
+            <a:pPr lvl="1"/>
+            <a:r>
+              <a:rPr lang="en-US" altLang="zh-CN" dirty="0" smtClean="0"/>
+              <a:t>Deep Profile</a:t>
+            </a:r>
+          </a:p>
+          <a:p>
+            <a:pPr marL="457200" lvl="1" indent="0">
+              <a:buNone/>
+            </a:pPr>
+            <a:endParaRPr lang="en-US" altLang="zh-CN" dirty="0"/>
+          </a:p>
+          <a:p>
+            <a:pPr marL="457200" lvl="1" indent="0">
+              <a:buNone/>
+            </a:pPr>
+            <a:endParaRPr lang="en-US" altLang="zh-CN" dirty="0" smtClean="0"/>
+          </a:p>
+        </p:txBody>
+      </p:sp>
+    </p:spTree>
+    <p:extLst>
+      <p:ext uri="{BB962C8B-B14F-4D97-AF65-F5344CB8AC3E}">
+        <p14:creationId xmlns:p14="http://schemas.microsoft.com/office/powerpoint/2010/main" val="1619262040"/>
       </p:ext>
     </p:extLst>
   </p:cSld>
